--- a/Project 1 PPT.pptx
+++ b/Project 1 PPT.pptx
@@ -9460,14 +9460,28 @@
                 <a:latin typeface="Calibri" panose="020F0502020204030204" pitchFamily="34" charset="0"/>
                 <a:cs typeface="Calibri" panose="020F0502020204030204" pitchFamily="34" charset="0"/>
               </a:rPr>
-              <a:t>top ten </a:t>
+              <a:t>top </a:t>
             </a:r>
             <a:r>
               <a:rPr lang="es-MX" b="1" dirty="0" err="1">
                 <a:latin typeface="Calibri" panose="020F0502020204030204" pitchFamily="34" charset="0"/>
                 <a:cs typeface="Calibri" panose="020F0502020204030204" pitchFamily="34" charset="0"/>
               </a:rPr>
-              <a:t>ammenities</a:t>
+              <a:t>eight</a:t>
+            </a:r>
+            <a:r>
+              <a:rPr lang="es-MX" b="1" dirty="0">
+                <a:latin typeface="Calibri" panose="020F0502020204030204" pitchFamily="34" charset="0"/>
+                <a:cs typeface="Calibri" panose="020F0502020204030204" pitchFamily="34" charset="0"/>
+              </a:rPr>
+              <a:t> </a:t>
+            </a:r>
+            <a:r>
+              <a:rPr lang="es-MX" b="1" dirty="0" err="1">
+                <a:latin typeface="Calibri" panose="020F0502020204030204" pitchFamily="34" charset="0"/>
+                <a:cs typeface="Calibri" panose="020F0502020204030204" pitchFamily="34" charset="0"/>
+              </a:rPr>
+              <a:t>amenities</a:t>
             </a:r>
             <a:r>
               <a:rPr lang="es-MX" b="1" dirty="0">
